--- a/Budget-SHEETS (1).pptx
+++ b/Budget-SHEETS (1).pptx
@@ -21,7 +21,7 @@
   <p:notesSz cx="6858000" cy="9144000"/>
   <p:embeddedFontLst>
     <p:embeddedFont>
-      <p:font typeface="Questrial" panose="020B0604020202020204" charset="0"/>
+      <p:font typeface="Questrial" charset="0"/>
       <p:regular r:id="rId11"/>
     </p:embeddedFont>
   </p:embeddedFontLst>
@@ -6471,6 +6471,13 @@
                 <a:cs typeface="Questrial"/>
                 <a:sym typeface="Questrial"/>
               </a:rPr>
+              <a:pPr marL="0" marR="0" lvl="0" indent="0" algn="r" rtl="0">
+                <a:spcBef>
+                  <a:spcPts val="0"/>
+                </a:spcBef>
+                <a:buSzPct val="25000"/>
+                <a:buNone/>
+              </a:pPr>
               <a:t>‹#›</a:t>
             </a:fld>
             <a:endParaRPr lang="en-GB" sz="1050" b="0" i="0" u="none" strike="noStrike" cap="none">
@@ -7486,6 +7493,13 @@
                 <a:cs typeface="Questrial"/>
                 <a:sym typeface="Questrial"/>
               </a:rPr>
+              <a:pPr marL="0" marR="0" lvl="0" indent="0" algn="r" rtl="0">
+                <a:spcBef>
+                  <a:spcPts val="0"/>
+                </a:spcBef>
+                <a:buSzPct val="25000"/>
+                <a:buNone/>
+              </a:pPr>
               <a:t>‹#›</a:t>
             </a:fld>
             <a:endParaRPr lang="en-GB" sz="1050" b="0" i="0" u="none" strike="noStrike" cap="none">
@@ -8245,6 +8259,13 @@
                 <a:cs typeface="Questrial"/>
                 <a:sym typeface="Questrial"/>
               </a:rPr>
+              <a:pPr marL="0" marR="0" lvl="0" indent="0" algn="r" rtl="0">
+                <a:spcBef>
+                  <a:spcPts val="0"/>
+                </a:spcBef>
+                <a:buSzPct val="25000"/>
+                <a:buNone/>
+              </a:pPr>
               <a:t>‹#›</a:t>
             </a:fld>
             <a:endParaRPr lang="en-GB" sz="1050" b="0" i="0" u="none" strike="noStrike" cap="none">
@@ -9234,6 +9255,13 @@
                 <a:cs typeface="Questrial"/>
                 <a:sym typeface="Questrial"/>
               </a:rPr>
+              <a:pPr marL="0" marR="0" lvl="0" indent="0" algn="r" rtl="0">
+                <a:spcBef>
+                  <a:spcPts val="0"/>
+                </a:spcBef>
+                <a:buSzPct val="25000"/>
+                <a:buNone/>
+              </a:pPr>
               <a:t>‹#›</a:t>
             </a:fld>
             <a:endParaRPr lang="en-GB" sz="1050" b="0" i="0" u="none" strike="noStrike" cap="none">
@@ -10095,6 +10123,13 @@
                 <a:cs typeface="Questrial"/>
                 <a:sym typeface="Questrial"/>
               </a:rPr>
+              <a:pPr marL="0" marR="0" lvl="0" indent="0" algn="r" rtl="0">
+                <a:spcBef>
+                  <a:spcPts val="0"/>
+                </a:spcBef>
+                <a:buSzPct val="25000"/>
+                <a:buNone/>
+              </a:pPr>
               <a:t>‹#›</a:t>
             </a:fld>
             <a:endParaRPr lang="en-GB" sz="1050" b="0" i="0" u="none" strike="noStrike" cap="none">
@@ -12004,6 +12039,13 @@
                 <a:cs typeface="Questrial"/>
                 <a:sym typeface="Questrial"/>
               </a:rPr>
+              <a:pPr marL="0" marR="0" lvl="0" indent="0" algn="r" rtl="0">
+                <a:spcBef>
+                  <a:spcPts val="0"/>
+                </a:spcBef>
+                <a:buSzPct val="25000"/>
+                <a:buNone/>
+              </a:pPr>
               <a:t>‹#›</a:t>
             </a:fld>
             <a:endParaRPr lang="en-GB" sz="1050" b="0" i="0" u="none" strike="noStrike" cap="none">
@@ -14681,6 +14723,13 @@
                 <a:cs typeface="Questrial"/>
                 <a:sym typeface="Questrial"/>
               </a:rPr>
+              <a:pPr marL="0" marR="0" lvl="0" indent="0" algn="r" rtl="0">
+                <a:spcBef>
+                  <a:spcPts val="0"/>
+                </a:spcBef>
+                <a:buSzPct val="25000"/>
+                <a:buNone/>
+              </a:pPr>
               <a:t>‹#›</a:t>
             </a:fld>
             <a:endParaRPr lang="en-GB" sz="1050" b="0" i="0" u="none" strike="noStrike" cap="none">
@@ -15449,6 +15498,13 @@
                 <a:cs typeface="Questrial"/>
                 <a:sym typeface="Questrial"/>
               </a:rPr>
+              <a:pPr marL="0" marR="0" lvl="0" indent="0" algn="r" rtl="0">
+                <a:spcBef>
+                  <a:spcPts val="0"/>
+                </a:spcBef>
+                <a:buSzPct val="25000"/>
+                <a:buNone/>
+              </a:pPr>
               <a:t>‹#›</a:t>
             </a:fld>
             <a:endParaRPr lang="en-GB" sz="1050" b="0" i="0" u="none" strike="noStrike" cap="none">
@@ -16217,6 +16273,13 @@
                 <a:cs typeface="Questrial"/>
                 <a:sym typeface="Questrial"/>
               </a:rPr>
+              <a:pPr marL="0" marR="0" lvl="0" indent="0" algn="r" rtl="0">
+                <a:spcBef>
+                  <a:spcPts val="0"/>
+                </a:spcBef>
+                <a:buSzPct val="25000"/>
+                <a:buNone/>
+              </a:pPr>
               <a:t>‹#›</a:t>
             </a:fld>
             <a:endParaRPr lang="en-GB" sz="1050" b="0" i="0" u="none" strike="noStrike" cap="none">
@@ -16985,6 +17048,13 @@
                 <a:cs typeface="Questrial"/>
                 <a:sym typeface="Questrial"/>
               </a:rPr>
+              <a:pPr marL="0" marR="0" lvl="0" indent="0" algn="r" rtl="0">
+                <a:spcBef>
+                  <a:spcPts val="0"/>
+                </a:spcBef>
+                <a:buSzPct val="25000"/>
+                <a:buNone/>
+              </a:pPr>
               <a:t>‹#›</a:t>
             </a:fld>
             <a:endParaRPr lang="en-GB" sz="1050" b="0" i="0" u="none" strike="noStrike" cap="none">
@@ -18452,6 +18522,13 @@
                 <a:cs typeface="Questrial"/>
                 <a:sym typeface="Questrial"/>
               </a:rPr>
+              <a:pPr marL="0" marR="0" lvl="0" indent="0" algn="r" rtl="0">
+                <a:spcBef>
+                  <a:spcPts val="0"/>
+                </a:spcBef>
+                <a:buSzPct val="25000"/>
+                <a:buNone/>
+              </a:pPr>
               <a:t>‹#›</a:t>
             </a:fld>
             <a:endParaRPr lang="en-GB" sz="1050" b="0" i="0" u="none" strike="noStrike" cap="none">
@@ -19211,6 +19288,13 @@
                 <a:cs typeface="Questrial"/>
                 <a:sym typeface="Questrial"/>
               </a:rPr>
+              <a:pPr marL="0" marR="0" lvl="0" indent="0" algn="r" rtl="0">
+                <a:spcBef>
+                  <a:spcPts val="0"/>
+                </a:spcBef>
+                <a:buSzPct val="25000"/>
+                <a:buNone/>
+              </a:pPr>
               <a:t>‹#›</a:t>
             </a:fld>
             <a:endParaRPr lang="en-GB" sz="1050" b="0" i="0" u="none" strike="noStrike" cap="none">
@@ -20218,6 +20302,13 @@
                 <a:cs typeface="Questrial"/>
                 <a:sym typeface="Questrial"/>
               </a:rPr>
+              <a:pPr marL="0" marR="0" lvl="0" indent="0" algn="r" rtl="0">
+                <a:spcBef>
+                  <a:spcPts val="0"/>
+                </a:spcBef>
+                <a:buSzPct val="25000"/>
+                <a:buNone/>
+              </a:pPr>
               <a:t>‹#›</a:t>
             </a:fld>
             <a:endParaRPr lang="en-GB" sz="1050" b="0" i="0" u="none" strike="noStrike" cap="none">
@@ -20747,6 +20838,13 @@
                 <a:cs typeface="Questrial"/>
                 <a:sym typeface="Questrial"/>
               </a:rPr>
+              <a:pPr marL="0" marR="0" lvl="0" indent="0" algn="r" rtl="0">
+                <a:spcBef>
+                  <a:spcPts val="0"/>
+                </a:spcBef>
+                <a:buSzPct val="25000"/>
+                <a:buNone/>
+              </a:pPr>
               <a:t>‹#›</a:t>
             </a:fld>
             <a:endParaRPr lang="en-GB" sz="1050" b="0" i="0" u="none" strike="noStrike" cap="none">
@@ -21166,6 +21264,13 @@
                 <a:cs typeface="Questrial"/>
                 <a:sym typeface="Questrial"/>
               </a:rPr>
+              <a:pPr marL="0" marR="0" lvl="0" indent="0" algn="r" rtl="0">
+                <a:spcBef>
+                  <a:spcPts val="0"/>
+                </a:spcBef>
+                <a:buSzPct val="25000"/>
+                <a:buNone/>
+              </a:pPr>
               <a:t>‹#›</a:t>
             </a:fld>
             <a:endParaRPr lang="en-GB" sz="1050" b="0" i="0" u="none" strike="noStrike" cap="none">
@@ -22164,6 +22269,13 @@
                 <a:cs typeface="Questrial"/>
                 <a:sym typeface="Questrial"/>
               </a:rPr>
+              <a:pPr marL="0" marR="0" lvl="0" indent="0" algn="r" rtl="0">
+                <a:spcBef>
+                  <a:spcPts val="0"/>
+                </a:spcBef>
+                <a:buSzPct val="25000"/>
+                <a:buNone/>
+              </a:pPr>
               <a:t>‹#›</a:t>
             </a:fld>
             <a:endParaRPr lang="en-GB" sz="1050" b="0" i="0" u="none" strike="noStrike" cap="none">
@@ -23171,6 +23283,13 @@
                 <a:cs typeface="Questrial"/>
                 <a:sym typeface="Questrial"/>
               </a:rPr>
+              <a:pPr marL="0" marR="0" lvl="0" indent="0" algn="r" rtl="0">
+                <a:spcBef>
+                  <a:spcPts val="0"/>
+                </a:spcBef>
+                <a:buSzPct val="25000"/>
+                <a:buNone/>
+              </a:pPr>
               <a:t>‹#›</a:t>
             </a:fld>
             <a:endParaRPr lang="en-GB" sz="1050" b="0" i="0" u="none" strike="noStrike" cap="none">
@@ -27008,6 +27127,13 @@
                 <a:cs typeface="Questrial"/>
                 <a:sym typeface="Questrial"/>
               </a:rPr>
+              <a:pPr marL="0" marR="0" lvl="0" indent="0" algn="r" rtl="0">
+                <a:spcBef>
+                  <a:spcPts val="0"/>
+                </a:spcBef>
+                <a:buSzPct val="25000"/>
+                <a:buNone/>
+              </a:pPr>
               <a:t>‹#›</a:t>
             </a:fld>
             <a:endParaRPr lang="en-GB" sz="1050" b="0" i="0" u="none" strike="noStrike" cap="none">
@@ -27816,8 +27942,20 @@
               <a:buChar char="•"/>
             </a:pPr>
             <a:r>
-              <a:rPr lang="en-GB"/>
-              <a:t>Gamification of Finance</a:t>
+              <a:rPr lang="en-GB" dirty="0" smtClean="0"/>
+              <a:t>Derivative </a:t>
+            </a:r>
+            <a:r>
+              <a:rPr lang="en-GB" dirty="0" err="1" smtClean="0"/>
+              <a:t>Gamification</a:t>
+            </a:r>
+            <a:r>
+              <a:rPr lang="en-GB" dirty="0" smtClean="0"/>
+              <a:t> </a:t>
+            </a:r>
+            <a:r>
+              <a:rPr lang="en-GB" dirty="0"/>
+              <a:t>of Finance</a:t>
             </a:r>
           </a:p>
           <a:p>
@@ -27839,9 +27977,14 @@
               <a:buChar char="•"/>
             </a:pPr>
             <a:r>
-              <a:rPr lang="en-GB"/>
-              <a:t>Fun and accessible</a:t>
+              <a:rPr lang="en-GB" dirty="0"/>
+              <a:t>Fun and </a:t>
             </a:r>
+            <a:r>
+              <a:rPr lang="en-GB" dirty="0" smtClean="0"/>
+              <a:t>Accessible</a:t>
+            </a:r>
+            <a:endParaRPr lang="en-GB" dirty="0"/>
           </a:p>
           <a:p>
             <a:pPr marL="228600" marR="0" lvl="0" indent="-228600" algn="l" rtl="0">
@@ -27862,7 +28005,7 @@
               <a:buChar char="•"/>
             </a:pPr>
             <a:r>
-              <a:rPr lang="en-GB"/>
+              <a:rPr lang="en-GB" dirty="0"/>
               <a:t>Online Budgeting</a:t>
             </a:r>
           </a:p>
@@ -27884,7 +28027,7 @@
               <a:buFont typeface="Arial"/>
               <a:buNone/>
             </a:pPr>
-            <a:endParaRPr sz="2400" b="0" i="0" u="none" strike="noStrike" cap="none">
+            <a:endParaRPr sz="2400" b="0" i="0" u="none" strike="noStrike" cap="none" dirty="0">
               <a:solidFill>
                 <a:schemeClr val="lt1"/>
               </a:solidFill>
@@ -27909,7 +28052,7 @@
               <a:buFont typeface="Arial"/>
               <a:buNone/>
             </a:pPr>
-            <a:endParaRPr sz="2400" b="0" i="0" u="none" strike="noStrike" cap="none">
+            <a:endParaRPr sz="2400" b="0" i="0" u="none" strike="noStrike" cap="none" dirty="0">
               <a:solidFill>
                 <a:schemeClr val="lt1"/>
               </a:solidFill>
@@ -28292,11 +28435,11 @@
               <a:buChar char="•"/>
             </a:pPr>
             <a:r>
-              <a:rPr lang="en-GB"/>
+              <a:rPr lang="en-GB" dirty="0" err="1" smtClean="0"/>
               <a:t>Gamification</a:t>
             </a:r>
             <a:r>
-              <a:rPr lang="en-GB" sz="2400" b="0" i="0" u="none" strike="noStrike" cap="none">
+              <a:rPr lang="en-GB" sz="2400" b="0" i="0" u="none" strike="noStrike" cap="none" dirty="0">
                 <a:solidFill>
                   <a:schemeClr val="lt1"/>
                 </a:solidFill>
@@ -28327,7 +28470,7 @@
               <a:buChar char="•"/>
             </a:pPr>
             <a:r>
-              <a:rPr lang="en-GB" sz="2400" b="0" i="0" u="none" strike="noStrike" cap="none">
+              <a:rPr lang="en-GB" sz="2400" b="0" i="0" u="none" strike="noStrike" cap="none" dirty="0">
                 <a:solidFill>
                   <a:schemeClr val="lt1"/>
                 </a:solidFill>
@@ -28339,7 +28482,7 @@
               <a:t>C</a:t>
             </a:r>
             <a:r>
-              <a:rPr lang="en-GB"/>
+              <a:rPr lang="en-GB" dirty="0"/>
               <a:t>ompare</a:t>
             </a:r>
           </a:p>
@@ -28362,7 +28505,7 @@
               <a:buChar char="•"/>
             </a:pPr>
             <a:r>
-              <a:rPr lang="en-GB"/>
+              <a:rPr lang="en-GB" dirty="0"/>
               <a:t>Charts</a:t>
             </a:r>
           </a:p>
@@ -28381,7 +28524,7 @@
               <a:buFont typeface="Arial"/>
               <a:buNone/>
             </a:pPr>
-            <a:endParaRPr sz="2400" b="0" i="0" u="none" strike="noStrike" cap="none">
+            <a:endParaRPr sz="2400" b="0" i="0" u="none" strike="noStrike" cap="none" dirty="0">
               <a:solidFill>
                 <a:schemeClr val="lt1"/>
               </a:solidFill>
@@ -28489,7 +28632,7 @@
               <a:buNone/>
             </a:pPr>
             <a:r>
-              <a:rPr lang="en-GB" sz="6000" b="0" i="0" u="none" strike="noStrike" cap="none">
+              <a:rPr lang="en-GB" sz="6000" b="0" i="0" u="none" strike="noStrike" cap="none" dirty="0" smtClean="0">
                 <a:solidFill>
                   <a:schemeClr val="lt1"/>
                 </a:solidFill>
@@ -28498,8 +28641,17 @@
                 <a:cs typeface="Questrial"/>
                 <a:sym typeface="Questrial"/>
               </a:rPr>
-              <a:t>LEARNT</a:t>
+              <a:t>WHAT WE LEARNED</a:t>
             </a:r>
+            <a:endParaRPr lang="en-GB" sz="6000" b="0" i="0" u="none" strike="noStrike" cap="none" dirty="0">
+              <a:solidFill>
+                <a:schemeClr val="lt1"/>
+              </a:solidFill>
+              <a:latin typeface="Questrial"/>
+              <a:ea typeface="Questrial"/>
+              <a:cs typeface="Questrial"/>
+              <a:sym typeface="Questrial"/>
+            </a:endParaRPr>
           </a:p>
         </p:txBody>
       </p:sp>
@@ -28544,7 +28696,7 @@
               </a:spcAft>
             </a:pPr>
             <a:r>
-              <a:rPr lang="en-GB"/>
+              <a:rPr lang="en-GB" dirty="0"/>
               <a:t>HTML</a:t>
             </a:r>
           </a:p>
@@ -28561,7 +28713,7 @@
               </a:spcAft>
             </a:pPr>
             <a:r>
-              <a:rPr lang="en-GB"/>
+              <a:rPr lang="en-GB" dirty="0"/>
               <a:t>Python</a:t>
             </a:r>
           </a:p>
@@ -28578,7 +28730,7 @@
               </a:spcAft>
             </a:pPr>
             <a:r>
-              <a:rPr lang="en-GB"/>
+              <a:rPr lang="en-GB" dirty="0"/>
               <a:t>Databases</a:t>
             </a:r>
           </a:p>
@@ -28595,9 +28747,31 @@
               </a:spcAft>
             </a:pPr>
             <a:r>
-              <a:rPr lang="en-GB"/>
-              <a:t>User Logins</a:t>
+              <a:rPr lang="en-GB" dirty="0"/>
+              <a:t>User </a:t>
             </a:r>
+            <a:r>
+              <a:rPr lang="en-GB" dirty="0" smtClean="0"/>
+              <a:t>Logins</a:t>
+            </a:r>
+          </a:p>
+          <a:p>
+            <a:pPr marL="457200" marR="0" lvl="0" indent="-228600" algn="l" rtl="0">
+              <a:lnSpc>
+                <a:spcPct val="120000"/>
+              </a:lnSpc>
+              <a:spcBef>
+                <a:spcPts val="1000"/>
+              </a:spcBef>
+              <a:spcAft>
+                <a:spcPts val="0"/>
+              </a:spcAft>
+            </a:pPr>
+            <a:r>
+              <a:rPr lang="en-GB" dirty="0" smtClean="0"/>
+              <a:t>JS APIs</a:t>
+            </a:r>
+            <a:endParaRPr lang="en-GB" dirty="0"/>
           </a:p>
         </p:txBody>
       </p:sp>
@@ -28839,7 +29013,7 @@
               <a:buNone/>
             </a:pPr>
             <a:r>
-              <a:rPr lang="en-GB" sz="6000" b="0" i="0" u="none" strike="noStrike" cap="none">
+              <a:rPr lang="en-GB" sz="6000" b="0" i="0" u="none" strike="noStrike" cap="none" dirty="0">
                 <a:solidFill>
                   <a:schemeClr val="lt1"/>
                 </a:solidFill>
@@ -28848,8 +29022,29 @@
                 <a:cs typeface="Questrial"/>
                 <a:sym typeface="Questrial"/>
               </a:rPr>
-              <a:t>ISSUES WE CAME OVER</a:t>
+              <a:t>ISSUES </a:t>
             </a:r>
+            <a:r>
+              <a:rPr lang="en-GB" sz="6000" b="0" i="0" u="none" strike="noStrike" cap="none" dirty="0" smtClean="0">
+                <a:solidFill>
+                  <a:schemeClr val="lt1"/>
+                </a:solidFill>
+                <a:latin typeface="Questrial"/>
+                <a:ea typeface="Questrial"/>
+                <a:cs typeface="Questrial"/>
+                <a:sym typeface="Questrial"/>
+              </a:rPr>
+              <a:t>WE ENCOUNTERED</a:t>
+            </a:r>
+            <a:endParaRPr lang="en-GB" sz="6000" b="0" i="0" u="none" strike="noStrike" cap="none" dirty="0">
+              <a:solidFill>
+                <a:schemeClr val="lt1"/>
+              </a:solidFill>
+              <a:latin typeface="Questrial"/>
+              <a:ea typeface="Questrial"/>
+              <a:cs typeface="Questrial"/>
+              <a:sym typeface="Questrial"/>
+            </a:endParaRPr>
           </a:p>
         </p:txBody>
       </p:sp>
@@ -28896,7 +29091,7 @@
               <a:buFont typeface="Questrial"/>
             </a:pPr>
             <a:r>
-              <a:rPr lang="en-GB"/>
+              <a:rPr lang="en-GB" dirty="0"/>
               <a:t>Git</a:t>
             </a:r>
           </a:p>
@@ -28910,9 +29105,24 @@
               </a:spcBef>
             </a:pPr>
             <a:r>
-              <a:rPr lang="en-GB"/>
-              <a:t>Windows</a:t>
+              <a:rPr lang="en-GB" dirty="0" smtClean="0"/>
+              <a:t>Windows-Linux</a:t>
             </a:r>
+          </a:p>
+          <a:p>
+            <a:pPr marL="457200" marR="0" lvl="0" indent="-228600" algn="l" rtl="0">
+              <a:lnSpc>
+                <a:spcPct val="120000"/>
+              </a:lnSpc>
+              <a:spcBef>
+                <a:spcPts val="0"/>
+              </a:spcBef>
+            </a:pPr>
+            <a:r>
+              <a:rPr lang="en-GB" smtClean="0"/>
+              <a:t>Databases</a:t>
+            </a:r>
+            <a:endParaRPr lang="en-GB" dirty="0"/>
           </a:p>
         </p:txBody>
       </p:sp>
